--- a/doc/JDBC Transaction.pptx
+++ b/doc/JDBC Transaction.pptx
@@ -20,6 +20,7 @@
     <p:sldId id="268" r:id="rId15"/>
     <p:sldId id="269" r:id="rId16"/>
     <p:sldId id="270" r:id="rId17"/>
+    <p:sldId id="271" r:id="rId18"/>
   </p:sldIdLst>
   <p:sldSz cx="10080625" cy="7559675"/>
   <p:notesSz cx="7559675" cy="10691812"/>
@@ -2321,7 +2322,7 @@
         <p:spPr>
           <a:xfrm>
             <a:off x="288000" y="1768680"/>
-            <a:ext cx="9576000" cy="4384440"/>
+            <a:ext cx="9576000" cy="5215320"/>
           </a:xfrm>
           <a:prstGeom prst="rect">
             <a:avLst/>
@@ -2381,6 +2382,11 @@
             </a:endParaRPr>
           </a:p>
           <a:p>
+            <a:endParaRPr b="0" lang="ru-RU" sz="2800" spc="-1" strike="noStrike">
+              <a:latin typeface="Courier New"/>
+            </a:endParaRPr>
+          </a:p>
+          <a:p>
             <a:r>
               <a:rPr b="1" lang="ru-RU" sz="2800" spc="-1" strike="noStrike">
                 <a:solidFill>
@@ -2406,6 +2412,22 @@
                 <a:latin typeface="Times New Roman"/>
               </a:rPr>
               <a:t>Запрет на «грязное чтение» (dirty read). Данный уровень блокирует транзакциям чтение строк с неподтвержденными изменениями в них.</a:t>
+            </a:r>
+            <a:endParaRPr b="0" lang="ru-RU" sz="2800" spc="-1" strike="noStrike">
+              <a:latin typeface="Courier New"/>
+            </a:endParaRPr>
+          </a:p>
+          <a:p>
+            <a:endParaRPr b="0" lang="ru-RU" sz="2800" spc="-1" strike="noStrike">
+              <a:latin typeface="Courier New"/>
+            </a:endParaRPr>
+          </a:p>
+          <a:p>
+            <a:r>
+              <a:rPr b="0" i="1" lang="ru-RU" sz="2800" spc="-1" strike="noStrike">
+                <a:latin typeface="Times New Roman"/>
+              </a:rPr>
+              <a:t>Реализуется блокированием данных для записи (UPDATE) и чтения (SELECT) другими транзакциями до момента фиксации (COMMIT) информации.</a:t>
             </a:r>
             <a:endParaRPr b="0" lang="ru-RU" sz="2800" spc="-1" strike="noStrike">
               <a:latin typeface="Courier New"/>
@@ -2513,8 +2535,8 @@
         </p:nvSpPr>
         <p:spPr>
           <a:xfrm>
-            <a:off x="288000" y="1768680"/>
-            <a:ext cx="9576000" cy="5527080"/>
+            <a:off x="288000" y="1480680"/>
+            <a:ext cx="9576000" cy="5287320"/>
           </a:xfrm>
           <a:prstGeom prst="rect">
             <a:avLst/>
@@ -2558,32 +2580,22 @@
             </a:endParaRPr>
           </a:p>
           <a:p>
-            <a:r>
-              <a:rPr b="1" lang="ru-RU" sz="2800" spc="-1" strike="noStrike">
-                <a:solidFill>
-                  <a:srgbClr val="5b277d"/>
-                </a:solidFill>
-                <a:latin typeface="Courier New"/>
-              </a:rPr>
-              <a:t>- TRANSACTION_REPEATABLE_READ</a:t>
-            </a:r>
             <a:endParaRPr b="0" lang="ru-RU" sz="2800" spc="-1" strike="noStrike">
               <a:latin typeface="Courier New"/>
             </a:endParaRPr>
           </a:p>
           <a:p>
             <a:r>
-              <a:rPr b="0" lang="ru-RU" sz="2800" spc="-1" strike="noStrike">
-                <a:latin typeface="Times New Roman"/>
-              </a:rPr>
-              <a:t>	</a:t>
-            </a:r>
-            <a:r>
-              <a:rPr b="0" lang="ru-RU" sz="2800" spc="-1" strike="noStrike">
-                <a:latin typeface="Times New Roman"/>
-              </a:rPr>
-              <a:t>Запрет на «dirty read». Данный уровень препятствует транзакции от чтения строки с неподтвержденным изменением в ней, он также предотвращает ситуацию, когда одна транзакция читает строку, а вторая транзакция изменяет ее, при этом первая транзакция перечитывая строку, получает разные значения каждый раз (разовое чтение).</a:t>
-            </a:r>
+              <a:rPr b="0" i="1" lang="ru-RU" sz="2800" spc="-1" strike="noStrike">
+                <a:latin typeface="Times New Roman"/>
+              </a:rPr>
+              <a:t>Реализуется блокировкой на запись (UPDATE) другими транзакциями, но разрешается чтение (SELECT) еще не зафиксированных (COMMIT) данных</a:t>
+            </a:r>
+            <a:endParaRPr b="0" lang="ru-RU" sz="2800" spc="-1" strike="noStrike">
+              <a:latin typeface="Courier New"/>
+            </a:endParaRPr>
+          </a:p>
+          <a:p>
             <a:endParaRPr b="0" lang="ru-RU" sz="2800" spc="-1" strike="noStrike">
               <a:latin typeface="Courier New"/>
             </a:endParaRPr>
@@ -2690,8 +2702,8 @@
         </p:nvSpPr>
         <p:spPr>
           <a:xfrm>
-            <a:off x="288000" y="1768680"/>
-            <a:ext cx="9576000" cy="4384440"/>
+            <a:off x="288000" y="1480680"/>
+            <a:ext cx="9576000" cy="5911560"/>
           </a:xfrm>
           <a:prstGeom prst="rect">
             <a:avLst/>
@@ -2711,7 +2723,7 @@
                 </a:solidFill>
                 <a:latin typeface="Courier New"/>
               </a:rPr>
-              <a:t>- TRANSACTION_SERIALIZABLE</a:t>
+              <a:t>- TRANSACTION_REPEATABLE_READ</a:t>
             </a:r>
             <a:endParaRPr b="0" lang="ru-RU" sz="2800" spc="-1" strike="noStrike">
               <a:latin typeface="Courier New"/>
@@ -2722,7 +2734,29 @@
               <a:rPr b="0" lang="ru-RU" sz="2800" spc="-1" strike="noStrike">
                 <a:latin typeface="Times New Roman"/>
               </a:rPr>
-              <a:t>Запрет на «dirty read». Данный уровень включает предотвращения из TRANSACTION_REPEATABLE_READ, более того предотвращает ситуацию, когда одна транзакция читает все строки, которые удовлетворяют условию WHERE, а вторая транзакция вставляет строку, которая удовлетворяет тому же условию WHERE, и первая транзакция, перечитывая с тем же условием, получает дополнительную «фантомную» строку при втором чтении.</a:t>
+              <a:t>	</a:t>
+            </a:r>
+            <a:r>
+              <a:rPr b="0" lang="ru-RU" sz="2800" spc="-1" strike="noStrike">
+                <a:latin typeface="Times New Roman"/>
+              </a:rPr>
+              <a:t>Запрет на «dirty read». Данный уровень препятствует транзакции от чтения строки с неподтвержденным изменением в ней, он также предотвращает ситуацию, когда одна транзакция читает строку, а вторая транзакция изменяет ее, при этом первая транзакция перечитывая строку, получает разные значения каждый раз (разовое чтение).</a:t>
+            </a:r>
+            <a:endParaRPr b="0" lang="ru-RU" sz="2800" spc="-1" strike="noStrike">
+              <a:latin typeface="Courier New"/>
+            </a:endParaRPr>
+          </a:p>
+          <a:p>
+            <a:endParaRPr b="0" lang="ru-RU" sz="2800" spc="-1" strike="noStrike">
+              <a:latin typeface="Courier New"/>
+            </a:endParaRPr>
+          </a:p>
+          <a:p>
+            <a:r>
+              <a:rPr b="0" i="1" lang="ru-RU" sz="2800" spc="-1" strike="noStrike">
+                <a:latin typeface="Times New Roman"/>
+              </a:rPr>
+              <a:t>Блокировки в разделяющем режиме применяются ко всем данным, считываемым любой инструкцией транзакции, и сохраняются до её завершения. Это запрещает другим транзакциям изменять строки, которые были считаны незавершённой транзакцией. Запрета на вставку строк, удовлетворяющих условиям нет — фантомное чтение возможно.</a:t>
             </a:r>
             <a:endParaRPr b="0" lang="ru-RU" sz="2800" spc="-1" strike="noStrike">
               <a:latin typeface="Courier New"/>
@@ -2747,6 +2781,162 @@
           <p:childTnLst>
             <p:seq>
               <p:cTn id="30" dur="indefinite" nodeType="mainSeq"/>
+              <p:prevCondLst>
+                <p:cond delay="0" evt="onPrev">
+                  <p:tgtEl>
+                    <p:sldTgt/>
+                  </p:tgtEl>
+                </p:cond>
+              </p:prevCondLst>
+              <p:nextCondLst>
+                <p:cond delay="0" evt="onNext">
+                  <p:tgtEl>
+                    <p:sldTgt/>
+                  </p:tgtEl>
+                </p:cond>
+              </p:nextCondLst>
+            </p:seq>
+          </p:childTnLst>
+        </p:cTn>
+      </p:par>
+    </p:tnLst>
+  </p:timing>
+</p:sld>
+</file>
+
+<file path=ppt/slides/slide16.xml><?xml version="1.0" encoding="utf-8"?>
+<p:sld xmlns:a="http://schemas.openxmlformats.org/drawingml/2006/main" xmlns:p="http://schemas.openxmlformats.org/presentationml/2006/main" xmlns:r="http://schemas.openxmlformats.org/officeDocument/2006/relationships" xmlns:p14="http://schemas.microsoft.com/office/powerpoint/2010/main" xmlns:p15="http://schemas.microsoft.com/office/powerpoint/2012/main" xmlns:mc="http://schemas.openxmlformats.org/markup-compatibility/2006">
+  <p:cSld>
+    <p:spTree>
+      <p:nvGrpSpPr>
+        <p:cNvPr id="1" name=""/>
+        <p:cNvGrpSpPr/>
+        <p:nvPr/>
+      </p:nvGrpSpPr>
+      <p:grpSpPr>
+        <a:xfrm>
+          <a:off x="0" y="0"/>
+          <a:ext cx="0" cy="0"/>
+          <a:chOff x="0" y="0"/>
+          <a:chExt cx="0" cy="0"/>
+        </a:xfrm>
+      </p:grpSpPr>
+      <p:sp>
+        <p:nvSpPr>
+          <p:cNvPr id="69" name="TextShape 1"/>
+          <p:cNvSpPr txBox="1"/>
+          <p:nvPr/>
+        </p:nvSpPr>
+        <p:spPr>
+          <a:xfrm>
+            <a:off x="504000" y="301320"/>
+            <a:ext cx="9071640" cy="1262160"/>
+          </a:xfrm>
+          <a:prstGeom prst="rect">
+            <a:avLst/>
+          </a:prstGeom>
+          <a:noFill/>
+          <a:ln>
+            <a:noFill/>
+          </a:ln>
+        </p:spPr>
+        <p:txBody>
+          <a:bodyPr lIns="0" rIns="0" tIns="0" bIns="0" anchor="ctr"/>
+          <a:p>
+            <a:pPr algn="ctr"/>
+            <a:r>
+              <a:rPr b="0" lang="ru-RU" sz="5870" spc="-1" strike="noStrike">
+                <a:latin typeface="Times New Roman"/>
+              </a:rPr>
+              <a:t>JDBC Уровни изоляции</a:t>
+            </a:r>
+            <a:endParaRPr b="0" lang="ru-RU" sz="5870" spc="-1" strike="noStrike">
+              <a:latin typeface="Times New Roman"/>
+            </a:endParaRPr>
+          </a:p>
+        </p:txBody>
+      </p:sp>
+      <p:sp>
+        <p:nvSpPr>
+          <p:cNvPr id="70" name="TextShape 2"/>
+          <p:cNvSpPr txBox="1"/>
+          <p:nvPr/>
+        </p:nvSpPr>
+        <p:spPr>
+          <a:xfrm>
+            <a:off x="288000" y="1372680"/>
+            <a:ext cx="9576000" cy="5971320"/>
+          </a:xfrm>
+          <a:prstGeom prst="rect">
+            <a:avLst/>
+          </a:prstGeom>
+          <a:noFill/>
+          <a:ln>
+            <a:noFill/>
+          </a:ln>
+        </p:spPr>
+        <p:txBody>
+          <a:bodyPr lIns="0" rIns="0" tIns="0" bIns="0"/>
+          <a:p>
+            <a:r>
+              <a:rPr b="1" lang="ru-RU" sz="2800" spc="-1" strike="noStrike">
+                <a:solidFill>
+                  <a:srgbClr val="5b277d"/>
+                </a:solidFill>
+                <a:latin typeface="Courier New"/>
+              </a:rPr>
+              <a:t>- TRANSACTION_SERIALIZABLE</a:t>
+            </a:r>
+            <a:endParaRPr b="0" lang="ru-RU" sz="2800" spc="-1" strike="noStrike">
+              <a:latin typeface="Courier New"/>
+            </a:endParaRPr>
+          </a:p>
+          <a:p>
+            <a:r>
+              <a:rPr b="0" lang="ru-RU" sz="2800" spc="-1" strike="noStrike">
+                <a:latin typeface="Times New Roman"/>
+              </a:rPr>
+              <a:t>Запрет на «dirty read». Данный уровень включает предотвращения из TRANSACTION_REPEATABLE_READ, более того предотвращает ситуацию, когда одна транзакция читает все строки, которые удовлетворяют условию WHERE, а вторая транзакция вставляет строку, которая удовлетворяет тому же условию WHERE, и первая транзакция, перечитывая с тем же условием, получает дополнительную «фантомную» строку при втором чтении.</a:t>
+            </a:r>
+            <a:endParaRPr b="0" lang="ru-RU" sz="2800" spc="-1" strike="noStrike">
+              <a:latin typeface="Courier New"/>
+            </a:endParaRPr>
+          </a:p>
+          <a:p>
+            <a:endParaRPr b="0" lang="ru-RU" sz="2800" spc="-1" strike="noStrike">
+              <a:latin typeface="Courier New"/>
+            </a:endParaRPr>
+          </a:p>
+          <a:p>
+            <a:r>
+              <a:rPr b="0" i="1" lang="ru-RU" sz="2800" spc="-1" strike="noStrike">
+                <a:latin typeface="Times New Roman"/>
+              </a:rPr>
+              <a:t>Транзакции полностью изолируются друг от друга, каждая выполняется последовательно, как будто параллельных транзакций не существует. Только на этом уровне параллельные транзакции не подвержены эффекту «фантомного чтения».</a:t>
+            </a:r>
+            <a:endParaRPr b="0" lang="ru-RU" sz="2800" spc="-1" strike="noStrike">
+              <a:latin typeface="Courier New"/>
+            </a:endParaRPr>
+          </a:p>
+        </p:txBody>
+      </p:sp>
+    </p:spTree>
+  </p:cSld>
+  <mc:AlternateContent>
+    <mc:Choice Requires="p14">
+      <p:transition spd="slow" p14:dur="2000"/>
+    </mc:Choice>
+    <mc:Fallback>
+      <p:transition spd="slow"/>
+    </mc:Fallback>
+  </mc:AlternateContent>
+  <p:timing>
+    <p:tnLst>
+      <p:par>
+        <p:cTn id="31" dur="indefinite" restart="never" nodeType="tmRoot">
+          <p:childTnLst>
+            <p:seq>
+              <p:cTn id="32" dur="indefinite" nodeType="mainSeq"/>
               <p:prevCondLst>
                 <p:cond delay="0" evt="onPrev">
                   <p:tgtEl>
